--- a/poster.pptx
+++ b/poster.pptx
@@ -259,7 +259,7 @@
           <a:p>
             <a:fld id="{AB1C2C79-D946-4ED0-BD62-A6439FD89D7A}" type="datetimeFigureOut">
               <a:rPr lang="en-US" smtClean="0"/>
-              <a:t>10/25/2020</a:t>
+              <a:t>10/27/2020</a:t>
             </a:fld>
             <a:endParaRPr lang="en-US"/>
           </a:p>
@@ -457,7 +457,7 @@
           <a:p>
             <a:fld id="{AB1C2C79-D946-4ED0-BD62-A6439FD89D7A}" type="datetimeFigureOut">
               <a:rPr lang="en-US" smtClean="0"/>
-              <a:t>10/25/2020</a:t>
+              <a:t>10/27/2020</a:t>
             </a:fld>
             <a:endParaRPr lang="en-US"/>
           </a:p>
@@ -665,7 +665,7 @@
           <a:p>
             <a:fld id="{AB1C2C79-D946-4ED0-BD62-A6439FD89D7A}" type="datetimeFigureOut">
               <a:rPr lang="en-US" smtClean="0"/>
-              <a:t>10/25/2020</a:t>
+              <a:t>10/27/2020</a:t>
             </a:fld>
             <a:endParaRPr lang="en-US"/>
           </a:p>
@@ -863,7 +863,7 @@
           <a:p>
             <a:fld id="{AB1C2C79-D946-4ED0-BD62-A6439FD89D7A}" type="datetimeFigureOut">
               <a:rPr lang="en-US" smtClean="0"/>
-              <a:t>10/25/2020</a:t>
+              <a:t>10/27/2020</a:t>
             </a:fld>
             <a:endParaRPr lang="en-US"/>
           </a:p>
@@ -1138,7 +1138,7 @@
           <a:p>
             <a:fld id="{AB1C2C79-D946-4ED0-BD62-A6439FD89D7A}" type="datetimeFigureOut">
               <a:rPr lang="en-US" smtClean="0"/>
-              <a:t>10/25/2020</a:t>
+              <a:t>10/27/2020</a:t>
             </a:fld>
             <a:endParaRPr lang="en-US"/>
           </a:p>
@@ -1403,7 +1403,7 @@
           <a:p>
             <a:fld id="{AB1C2C79-D946-4ED0-BD62-A6439FD89D7A}" type="datetimeFigureOut">
               <a:rPr lang="en-US" smtClean="0"/>
-              <a:t>10/25/2020</a:t>
+              <a:t>10/27/2020</a:t>
             </a:fld>
             <a:endParaRPr lang="en-US"/>
           </a:p>
@@ -1815,7 +1815,7 @@
           <a:p>
             <a:fld id="{AB1C2C79-D946-4ED0-BD62-A6439FD89D7A}" type="datetimeFigureOut">
               <a:rPr lang="en-US" smtClean="0"/>
-              <a:t>10/25/2020</a:t>
+              <a:t>10/27/2020</a:t>
             </a:fld>
             <a:endParaRPr lang="en-US"/>
           </a:p>
@@ -1956,7 +1956,7 @@
           <a:p>
             <a:fld id="{AB1C2C79-D946-4ED0-BD62-A6439FD89D7A}" type="datetimeFigureOut">
               <a:rPr lang="en-US" smtClean="0"/>
-              <a:t>10/25/2020</a:t>
+              <a:t>10/27/2020</a:t>
             </a:fld>
             <a:endParaRPr lang="en-US"/>
           </a:p>
@@ -2069,7 +2069,7 @@
           <a:p>
             <a:fld id="{AB1C2C79-D946-4ED0-BD62-A6439FD89D7A}" type="datetimeFigureOut">
               <a:rPr lang="en-US" smtClean="0"/>
-              <a:t>10/25/2020</a:t>
+              <a:t>10/27/2020</a:t>
             </a:fld>
             <a:endParaRPr lang="en-US"/>
           </a:p>
@@ -2380,7 +2380,7 @@
           <a:p>
             <a:fld id="{AB1C2C79-D946-4ED0-BD62-A6439FD89D7A}" type="datetimeFigureOut">
               <a:rPr lang="en-US" smtClean="0"/>
-              <a:t>10/25/2020</a:t>
+              <a:t>10/27/2020</a:t>
             </a:fld>
             <a:endParaRPr lang="en-US"/>
           </a:p>
@@ -2668,7 +2668,7 @@
           <a:p>
             <a:fld id="{AB1C2C79-D946-4ED0-BD62-A6439FD89D7A}" type="datetimeFigureOut">
               <a:rPr lang="en-US" smtClean="0"/>
-              <a:t>10/25/2020</a:t>
+              <a:t>10/27/2020</a:t>
             </a:fld>
             <a:endParaRPr lang="en-US"/>
           </a:p>
@@ -2909,7 +2909,7 @@
           <a:p>
             <a:fld id="{AB1C2C79-D946-4ED0-BD62-A6439FD89D7A}" type="datetimeFigureOut">
               <a:rPr lang="en-US" smtClean="0"/>
-              <a:t>10/25/2020</a:t>
+              <a:t>10/27/2020</a:t>
             </a:fld>
             <a:endParaRPr lang="en-US"/>
           </a:p>
@@ -5924,10 +5924,10 @@
       </p:pic>
       <p:pic>
         <p:nvPicPr>
-          <p:cNvPr id="1038" name="Picture 14">
-            <a:extLst>
-              <a:ext uri="{FF2B5EF4-FFF2-40B4-BE49-F238E27FC236}">
-                <a16:creationId xmlns:a16="http://schemas.microsoft.com/office/drawing/2014/main" id="{86F19E8D-BF96-4A1A-ADC4-665528085F2B}"/>
+          <p:cNvPr id="1040" name="Picture 16">
+            <a:extLst>
+              <a:ext uri="{FF2B5EF4-FFF2-40B4-BE49-F238E27FC236}">
+                <a16:creationId xmlns:a16="http://schemas.microsoft.com/office/drawing/2014/main" id="{490BBE1A-CD5E-46A8-AFA0-280203A693D5}"/>
               </a:ext>
             </a:extLst>
           </p:cNvPr>
@@ -5951,7 +5951,7 @@
         </p:blipFill>
         <p:spPr bwMode="auto">
           <a:xfrm>
-            <a:off x="2400952" y="2453925"/>
+            <a:off x="3445973" y="2447480"/>
             <a:ext cx="996344" cy="723722"/>
           </a:xfrm>
           <a:prstGeom prst="rect">
@@ -5971,10 +5971,10 @@
       </p:pic>
       <p:pic>
         <p:nvPicPr>
-          <p:cNvPr id="1040" name="Picture 16">
-            <a:extLst>
-              <a:ext uri="{FF2B5EF4-FFF2-40B4-BE49-F238E27FC236}">
-                <a16:creationId xmlns:a16="http://schemas.microsoft.com/office/drawing/2014/main" id="{490BBE1A-CD5E-46A8-AFA0-280203A693D5}"/>
+          <p:cNvPr id="1026" name="Picture 2">
+            <a:extLst>
+              <a:ext uri="{FF2B5EF4-FFF2-40B4-BE49-F238E27FC236}">
+                <a16:creationId xmlns:a16="http://schemas.microsoft.com/office/drawing/2014/main" id="{CAD0ECF2-60DC-4CB5-BC27-05BEF17E8FAE}"/>
               </a:ext>
             </a:extLst>
           </p:cNvPr>
@@ -5998,8 +5998,8 @@
         </p:blipFill>
         <p:spPr bwMode="auto">
           <a:xfrm>
-            <a:off x="3445973" y="2447480"/>
-            <a:ext cx="996344" cy="723722"/>
+            <a:off x="2311018" y="2443283"/>
+            <a:ext cx="993349" cy="711801"/>
           </a:xfrm>
           <a:prstGeom prst="rect">
             <a:avLst/>
